--- a/基础PPT/JavaSE进阶第二版/第3章：Java日期处理.pptx
+++ b/基础PPT/JavaSE进阶第二版/第3章：Java日期处理.pptx
@@ -9616,6 +9616,14 @@
           </a:bodyPr>
           <a:p>
             <a:r>
+              <a:rPr lang="en-US" altLang="zh-CN"/>
+              <a:t>1</a:t>
+            </a:r>
+            <a:r>
+              <a:rPr lang="zh-CN" altLang="en-US"/>
+              <a:t>、</a:t>
+            </a:r>
+            <a:r>
               <a:rPr lang="zh-CN" altLang="en-US"/>
               <a:t>日期创建</a:t>
             </a:r>
@@ -9645,6 +9653,14 @@
           </a:bodyPr>
           <a:p>
             <a:r>
+              <a:rPr lang="en-US" altLang="zh-CN"/>
+              <a:t>2</a:t>
+            </a:r>
+            <a:r>
+              <a:rPr lang="zh-CN" altLang="en-US"/>
+              <a:t>、</a:t>
+            </a:r>
+            <a:r>
               <a:rPr lang="zh-CN" altLang="en-US"/>
               <a:t>日期比较大小</a:t>
             </a:r>
@@ -9674,6 +9690,14 @@
           </a:bodyPr>
           <a:p>
             <a:r>
+              <a:rPr lang="en-US" altLang="zh-CN"/>
+              <a:t>3</a:t>
+            </a:r>
+            <a:r>
+              <a:rPr lang="zh-CN" altLang="en-US"/>
+              <a:t>、</a:t>
+            </a:r>
+            <a:r>
               <a:rPr lang="zh-CN" altLang="en-US"/>
               <a:t>日期格式化</a:t>
             </a:r>
@@ -9711,6 +9735,14 @@
           </a:bodyPr>
           <a:p>
             <a:r>
+              <a:rPr lang="en-US" altLang="zh-CN"/>
+              <a:t>4</a:t>
+            </a:r>
+            <a:r>
+              <a:rPr lang="zh-CN" altLang="en-US"/>
+              <a:t>、</a:t>
+            </a:r>
+            <a:r>
               <a:rPr lang="zh-CN" altLang="en-US"/>
               <a:t>日期解析</a:t>
             </a:r>
@@ -9747,6 +9779,14 @@
             <a:spAutoFit/>
           </a:bodyPr>
           <a:p>
+            <a:r>
+              <a:rPr lang="en-US" altLang="zh-CN"/>
+              <a:t>5</a:t>
+            </a:r>
+            <a:r>
+              <a:rPr lang="zh-CN" altLang="en-US"/>
+              <a:t>、</a:t>
+            </a:r>
             <a:r>
               <a:rPr lang="en-US" altLang="zh-CN"/>
               <a:t>Calendar </a:t>
